--- a/doc/презентация.pptx
+++ b/doc/презентация.pptx
@@ -16629,78 +16629,204 @@
       </p:sp>
       <p:sp>
         <p:nvSpPr>
-          <p:cNvPr id="224" name="Google Shape;224;p26"/>
-          <p:cNvSpPr txBox="1">
-            <a:spLocks noGrp="1"/>
-          </p:cNvSpPr>
-          <p:nvPr>
-            <p:ph type="subTitle" idx="1"/>
-          </p:nvPr>
+          <p:cNvPr id="5" name="TextBox 4">
+            <a:extLst>
+              <a:ext uri="{FF2B5EF4-FFF2-40B4-BE49-F238E27FC236}">
+                <a16:creationId xmlns:a16="http://schemas.microsoft.com/office/drawing/2014/main" id="{9D698AF6-8C40-28B3-F470-92A089C4EB45}"/>
+              </a:ext>
+            </a:extLst>
+          </p:cNvPr>
+          <p:cNvSpPr txBox="1"/>
+          <p:nvPr/>
         </p:nvSpPr>
         <p:spPr>
           <a:xfrm>
-            <a:off x="401088" y="3431609"/>
-            <a:ext cx="2962200" cy="941414"/>
+            <a:off x="657534" y="-4480"/>
+            <a:ext cx="7367450" cy="771493"/>
           </a:xfrm>
           <a:prstGeom prst="rect">
             <a:avLst/>
           </a:prstGeom>
+          <a:noFill/>
         </p:spPr>
         <p:txBody>
-          <a:bodyPr spcFirstLastPara="1" wrap="square" lIns="91425" tIns="91425" rIns="91425" bIns="91425" anchor="t" anchorCtr="0">
-            <a:noAutofit/>
+          <a:bodyPr wrap="square">
+            <a:spAutoFit/>
           </a:bodyPr>
           <a:lstStyle/>
           <a:p>
-            <a:pPr marL="0" lvl="0" indent="0" algn="l" rtl="0">
+            <a:pPr algn="ctr">
+              <a:lnSpc>
+                <a:spcPct val="115000"/>
+              </a:lnSpc>
               <a:spcBef>
-                <a:spcPts val="0"/>
+                <a:spcPts val="1100"/>
               </a:spcBef>
               <a:spcAft>
-                <a:spcPts val="0"/>
+                <a:spcPts val="1200"/>
               </a:spcAft>
-              <a:buNone/>
+            </a:pPr>
+            <a:r>
+              <a:rPr lang="ru-RU" sz="2000" dirty="0">
+                <a:effectLst/>
+                <a:latin typeface="Times New Roman" panose="02020603050405020304" pitchFamily="18" charset="0"/>
+                <a:ea typeface="Times New Roman" panose="02020603050405020304" pitchFamily="18" charset="0"/>
+              </a:rPr>
+              <a:t> Государственное бюджетное общеобразовательное учреждение города Москвы «Школа № 1532»</a:t>
+            </a:r>
+            <a:endParaRPr lang="ru-RU" sz="2000" dirty="0">
+              <a:effectLst/>
+              <a:latin typeface="Arial" panose="020B0604020202020204" pitchFamily="34" charset="0"/>
+              <a:ea typeface="Arial" panose="020B0604020202020204" pitchFamily="34" charset="0"/>
+            </a:endParaRPr>
+          </a:p>
+        </p:txBody>
+      </p:sp>
+      <p:sp>
+        <p:nvSpPr>
+          <p:cNvPr id="7" name="TextBox 6">
+            <a:extLst>
+              <a:ext uri="{FF2B5EF4-FFF2-40B4-BE49-F238E27FC236}">
+                <a16:creationId xmlns:a16="http://schemas.microsoft.com/office/drawing/2014/main" id="{E7E7F745-317C-3DC6-5718-B466270A898F}"/>
+              </a:ext>
+            </a:extLst>
+          </p:cNvPr>
+          <p:cNvSpPr txBox="1"/>
+          <p:nvPr/>
+        </p:nvSpPr>
+        <p:spPr>
+          <a:xfrm>
+            <a:off x="80898" y="3584675"/>
+            <a:ext cx="7367450" cy="1558825"/>
+          </a:xfrm>
+          <a:prstGeom prst="rect">
+            <a:avLst/>
+          </a:prstGeom>
+          <a:noFill/>
+        </p:spPr>
+        <p:txBody>
+          <a:bodyPr wrap="square">
+            <a:spAutoFit/>
+          </a:bodyPr>
+          <a:lstStyle/>
+          <a:p>
+            <a:pPr>
+              <a:lnSpc>
+                <a:spcPct val="115000"/>
+              </a:lnSpc>
             </a:pPr>
             <a:r>
               <a:rPr lang="ru-RU" sz="1400" dirty="0">
-                <a:solidFill>
-                  <a:schemeClr val="bg2"/>
-                </a:solidFill>
-                <a:latin typeface="Segoe UI Black" panose="020B0A02040204020203" pitchFamily="34" charset="0"/>
-                <a:ea typeface="Segoe UI Black" panose="020B0A02040204020203" pitchFamily="34" charset="0"/>
-                <a:sym typeface="Poppins"/>
+                <a:effectLst/>
+                <a:latin typeface="Times New Roman" panose="02020603050405020304" pitchFamily="18" charset="0"/>
+                <a:ea typeface="Times New Roman" panose="02020603050405020304" pitchFamily="18" charset="0"/>
               </a:rPr>
-              <a:t>Воронов Никита Рустамович </a:t>
+              <a:t>11 класс, ГБОУ школа № 1532,</a:t>
             </a:r>
+            <a:endParaRPr lang="ru-RU" sz="1100" dirty="0">
+              <a:effectLst/>
+              <a:latin typeface="Arial" panose="020B0604020202020204" pitchFamily="34" charset="0"/>
+              <a:ea typeface="Arial" panose="020B0604020202020204" pitchFamily="34" charset="0"/>
+            </a:endParaRPr>
           </a:p>
           <a:p>
-            <a:pPr marL="0" lvl="0" indent="0" algn="l" rtl="0">
-              <a:spcBef>
-                <a:spcPts val="0"/>
-              </a:spcBef>
-              <a:spcAft>
-                <a:spcPts val="0"/>
-              </a:spcAft>
-              <a:buNone/>
+            <a:pPr>
+              <a:lnSpc>
+                <a:spcPct val="115000"/>
+              </a:lnSpc>
             </a:pPr>
             <a:r>
               <a:rPr lang="ru-RU" sz="1400" dirty="0">
-                <a:solidFill>
-                  <a:schemeClr val="bg2"/>
-                </a:solidFill>
-                <a:latin typeface="Segoe UI Black" panose="020B0A02040204020203" pitchFamily="34" charset="0"/>
-                <a:ea typeface="Segoe UI Black" panose="020B0A02040204020203" pitchFamily="34" charset="0"/>
-                <a:sym typeface="Poppins"/>
+                <a:effectLst/>
+                <a:latin typeface="Times New Roman" panose="02020603050405020304" pitchFamily="18" charset="0"/>
+                <a:ea typeface="Times New Roman" panose="02020603050405020304" pitchFamily="18" charset="0"/>
               </a:rPr>
-              <a:t>Школа №1532 11«А» </a:t>
+              <a:t>Воронов Никита Рустамович 11 «А»</a:t>
             </a:r>
-            <a:endParaRPr sz="1400" dirty="0">
-              <a:solidFill>
-                <a:schemeClr val="bg2"/>
-              </a:solidFill>
-              <a:latin typeface="Segoe UI Black" panose="020B0A02040204020203" pitchFamily="34" charset="0"/>
-              <a:ea typeface="Segoe UI Black" panose="020B0A02040204020203" pitchFamily="34" charset="0"/>
-              <a:sym typeface="Poppins"/>
+            <a:endParaRPr lang="ru-RU" sz="1100" dirty="0">
+              <a:effectLst/>
+              <a:latin typeface="Arial" panose="020B0604020202020204" pitchFamily="34" charset="0"/>
+              <a:ea typeface="Arial" panose="020B0604020202020204" pitchFamily="34" charset="0"/>
+            </a:endParaRPr>
+          </a:p>
+          <a:p>
+            <a:pPr>
+              <a:lnSpc>
+                <a:spcPct val="115000"/>
+              </a:lnSpc>
+            </a:pPr>
+            <a:r>
+              <a:rPr lang="ru-RU" sz="1400" dirty="0">
+                <a:effectLst/>
+                <a:latin typeface="Times New Roman" panose="02020603050405020304" pitchFamily="18" charset="0"/>
+                <a:ea typeface="Times New Roman" panose="02020603050405020304" pitchFamily="18" charset="0"/>
+              </a:rPr>
+              <a:t> </a:t>
+            </a:r>
+            <a:endParaRPr lang="ru-RU" sz="1100" dirty="0">
+              <a:effectLst/>
+              <a:latin typeface="Arial" panose="020B0604020202020204" pitchFamily="34" charset="0"/>
+              <a:ea typeface="Arial" panose="020B0604020202020204" pitchFamily="34" charset="0"/>
+            </a:endParaRPr>
+          </a:p>
+          <a:p>
+            <a:pPr>
+              <a:lnSpc>
+                <a:spcPct val="115000"/>
+              </a:lnSpc>
+            </a:pPr>
+            <a:r>
+              <a:rPr lang="ru-RU" sz="1400" dirty="0">
+                <a:effectLst/>
+                <a:latin typeface="Times New Roman" panose="02020603050405020304" pitchFamily="18" charset="0"/>
+                <a:ea typeface="Times New Roman" panose="02020603050405020304" pitchFamily="18" charset="0"/>
+              </a:rPr>
+              <a:t>Руководитель: </a:t>
+            </a:r>
+            <a:endParaRPr lang="ru-RU" sz="1100" dirty="0">
+              <a:effectLst/>
+              <a:latin typeface="Arial" panose="020B0604020202020204" pitchFamily="34" charset="0"/>
+              <a:ea typeface="Arial" panose="020B0604020202020204" pitchFamily="34" charset="0"/>
+            </a:endParaRPr>
+          </a:p>
+          <a:p>
+            <a:pPr>
+              <a:lnSpc>
+                <a:spcPct val="115000"/>
+              </a:lnSpc>
+            </a:pPr>
+            <a:r>
+              <a:rPr lang="ru-RU" sz="1400" dirty="0">
+                <a:effectLst/>
+                <a:latin typeface="Times New Roman" panose="02020603050405020304" pitchFamily="18" charset="0"/>
+                <a:ea typeface="Times New Roman" panose="02020603050405020304" pitchFamily="18" charset="0"/>
+              </a:rPr>
+              <a:t>учитель информатики, ГБОУ школа №1532,</a:t>
+            </a:r>
+            <a:endParaRPr lang="ru-RU" sz="1100" dirty="0">
+              <a:effectLst/>
+              <a:latin typeface="Arial" panose="020B0604020202020204" pitchFamily="34" charset="0"/>
+              <a:ea typeface="Arial" panose="020B0604020202020204" pitchFamily="34" charset="0"/>
+            </a:endParaRPr>
+          </a:p>
+          <a:p>
+            <a:pPr>
+              <a:lnSpc>
+                <a:spcPct val="115000"/>
+              </a:lnSpc>
+            </a:pPr>
+            <a:r>
+              <a:rPr lang="ru-RU" sz="1400" dirty="0">
+                <a:effectLst/>
+                <a:latin typeface="Times New Roman" panose="02020603050405020304" pitchFamily="18" charset="0"/>
+                <a:ea typeface="Times New Roman" panose="02020603050405020304" pitchFamily="18" charset="0"/>
+              </a:rPr>
+              <a:t>Кузьмин Михаил Игоревич</a:t>
+            </a:r>
+            <a:endParaRPr lang="ru-RU" sz="1100" dirty="0">
+              <a:effectLst/>
+              <a:latin typeface="Arial" panose="020B0604020202020204" pitchFamily="34" charset="0"/>
+              <a:ea typeface="Arial" panose="020B0604020202020204" pitchFamily="34" charset="0"/>
             </a:endParaRPr>
           </a:p>
         </p:txBody>
